--- a/ppt/CRT (PPT).pptx
+++ b/ppt/CRT (PPT).pptx
@@ -212,6 +212,136 @@
     </p:ext>
   </p:extLst>
 </p:presentation>
+</file>
+
+<file path=ppt/revisionInfo.xml><?xml version="1.0" encoding="utf-8"?>
+<p1510:revInfo xmlns:a="http://schemas.openxmlformats.org/drawingml/2006/main" xmlns:r="http://schemas.openxmlformats.org/officeDocument/2006/relationships" xmlns:p1510="http://schemas.microsoft.com/office/powerpoint/2015/10/main">
+  <p1510:revLst>
+    <p1510:client id="{D3D310CE-F6D3-48DB-8476-EA6C96667CD9}" v="4" dt="2023-09-27T15:43:06.604"/>
+  </p1510:revLst>
+</p1510:revInfo>
+</file>
+
+<file path=ppt/changesInfos/changesInfo1.xml><?xml version="1.0" encoding="utf-8"?>
+<pc:chgInfo xmlns:a="http://schemas.openxmlformats.org/drawingml/2006/main" xmlns:r="http://schemas.openxmlformats.org/officeDocument/2006/relationships" xmlns:ac="http://schemas.microsoft.com/office/drawing/2013/main/command" xmlns:pc="http://schemas.microsoft.com/office/powerpoint/2013/main/command">
+  <pc:docChgLst>
+    <pc:chgData name="Dayanand Yadav" userId="7545252cd970e070" providerId="LiveId" clId="{D3D310CE-F6D3-48DB-8476-EA6C96667CD9}"/>
+    <pc:docChg chg="undo custSel modSld">
+      <pc:chgData name="Dayanand Yadav" userId="7545252cd970e070" providerId="LiveId" clId="{D3D310CE-F6D3-48DB-8476-EA6C96667CD9}" dt="2023-09-27T15:43:27.786" v="281" actId="20577"/>
+      <pc:docMkLst>
+        <pc:docMk/>
+      </pc:docMkLst>
+      <pc:sldChg chg="addSp delSp modSp mod">
+        <pc:chgData name="Dayanand Yadav" userId="7545252cd970e070" providerId="LiveId" clId="{D3D310CE-F6D3-48DB-8476-EA6C96667CD9}" dt="2023-09-27T15:43:27.786" v="281" actId="20577"/>
+        <pc:sldMkLst>
+          <pc:docMk/>
+          <pc:sldMk cId="569959998" sldId="334"/>
+        </pc:sldMkLst>
+        <pc:spChg chg="mod">
+          <ac:chgData name="Dayanand Yadav" userId="7545252cd970e070" providerId="LiveId" clId="{D3D310CE-F6D3-48DB-8476-EA6C96667CD9}" dt="2023-09-27T15:42:38.477" v="265" actId="20577"/>
+          <ac:spMkLst>
+            <pc:docMk/>
+            <pc:sldMk cId="569959998" sldId="334"/>
+            <ac:spMk id="2" creationId="{5BDB0BF8-EFB1-6D8B-F9CC-5678838D0AEF}"/>
+          </ac:spMkLst>
+        </pc:spChg>
+        <pc:spChg chg="add del mod">
+          <ac:chgData name="Dayanand Yadav" userId="7545252cd970e070" providerId="LiveId" clId="{D3D310CE-F6D3-48DB-8476-EA6C96667CD9}" dt="2023-09-27T15:43:27.786" v="281" actId="20577"/>
+          <ac:spMkLst>
+            <pc:docMk/>
+            <pc:sldMk cId="569959998" sldId="334"/>
+            <ac:spMk id="3" creationId="{B2515696-B714-F80E-41C7-DEA5D578D330}"/>
+          </ac:spMkLst>
+        </pc:spChg>
+        <pc:spChg chg="add del mod">
+          <ac:chgData name="Dayanand Yadav" userId="7545252cd970e070" providerId="LiveId" clId="{D3D310CE-F6D3-48DB-8476-EA6C96667CD9}" dt="2023-09-27T15:43:05.034" v="267"/>
+          <ac:spMkLst>
+            <pc:docMk/>
+            <pc:sldMk cId="569959998" sldId="334"/>
+            <ac:spMk id="7" creationId="{4704762F-73FF-2B61-2E3D-645798603A1F}"/>
+          </ac:spMkLst>
+        </pc:spChg>
+      </pc:sldChg>
+      <pc:sldChg chg="addSp delSp modSp mod">
+        <pc:chgData name="Dayanand Yadav" userId="7545252cd970e070" providerId="LiveId" clId="{D3D310CE-F6D3-48DB-8476-EA6C96667CD9}" dt="2023-09-27T15:41:36.611" v="242"/>
+        <pc:sldMkLst>
+          <pc:docMk/>
+          <pc:sldMk cId="1650683693" sldId="335"/>
+        </pc:sldMkLst>
+        <pc:spChg chg="del">
+          <ac:chgData name="Dayanand Yadav" userId="7545252cd970e070" providerId="LiveId" clId="{D3D310CE-F6D3-48DB-8476-EA6C96667CD9}" dt="2023-09-27T15:32:26.733" v="119"/>
+          <ac:spMkLst>
+            <pc:docMk/>
+            <pc:sldMk cId="1650683693" sldId="335"/>
+            <ac:spMk id="2" creationId="{B9F2AB28-BFB3-BBA1-9D6D-A8AB506535D2}"/>
+          </ac:spMkLst>
+        </pc:spChg>
+        <pc:spChg chg="mod">
+          <ac:chgData name="Dayanand Yadav" userId="7545252cd970e070" providerId="LiveId" clId="{D3D310CE-F6D3-48DB-8476-EA6C96667CD9}" dt="2023-09-27T15:39:04.816" v="218" actId="27636"/>
+          <ac:spMkLst>
+            <pc:docMk/>
+            <pc:sldMk cId="1650683693" sldId="335"/>
+            <ac:spMk id="3" creationId="{B98E3C3A-B146-4CC0-8C20-D5668BAB71CA}"/>
+          </ac:spMkLst>
+        </pc:spChg>
+        <pc:spChg chg="add mod">
+          <ac:chgData name="Dayanand Yadav" userId="7545252cd970e070" providerId="LiveId" clId="{D3D310CE-F6D3-48DB-8476-EA6C96667CD9}" dt="2023-09-27T15:41:36.611" v="242"/>
+          <ac:spMkLst>
+            <pc:docMk/>
+            <pc:sldMk cId="1650683693" sldId="335"/>
+            <ac:spMk id="7" creationId="{8821CB44-8CA8-E3AF-6BE6-40D42E931626}"/>
+          </ac:spMkLst>
+        </pc:spChg>
+      </pc:sldChg>
+      <pc:sldChg chg="modSp mod">
+        <pc:chgData name="Dayanand Yadav" userId="7545252cd970e070" providerId="LiveId" clId="{D3D310CE-F6D3-48DB-8476-EA6C96667CD9}" dt="2023-09-27T15:41:03.349" v="241" actId="20577"/>
+        <pc:sldMkLst>
+          <pc:docMk/>
+          <pc:sldMk cId="2796942920" sldId="336"/>
+        </pc:sldMkLst>
+        <pc:spChg chg="mod">
+          <ac:chgData name="Dayanand Yadav" userId="7545252cd970e070" providerId="LiveId" clId="{D3D310CE-F6D3-48DB-8476-EA6C96667CD9}" dt="2023-09-27T15:41:03.349" v="241" actId="20577"/>
+          <ac:spMkLst>
+            <pc:docMk/>
+            <pc:sldMk cId="2796942920" sldId="336"/>
+            <ac:spMk id="2" creationId="{A8ACEB5D-004F-EE10-2742-8FFED29B7888}"/>
+          </ac:spMkLst>
+        </pc:spChg>
+        <pc:spChg chg="mod">
+          <ac:chgData name="Dayanand Yadav" userId="7545252cd970e070" providerId="LiveId" clId="{D3D310CE-F6D3-48DB-8476-EA6C96667CD9}" dt="2023-09-27T15:30:03.339" v="116" actId="404"/>
+          <ac:spMkLst>
+            <pc:docMk/>
+            <pc:sldMk cId="2796942920" sldId="336"/>
+            <ac:spMk id="3" creationId="{C29AEBA0-11BE-EEE8-A087-B696FB742CA3}"/>
+          </ac:spMkLst>
+        </pc:spChg>
+      </pc:sldChg>
+      <pc:sldChg chg="modSp mod">
+        <pc:chgData name="Dayanand Yadav" userId="7545252cd970e070" providerId="LiveId" clId="{D3D310CE-F6D3-48DB-8476-EA6C96667CD9}" dt="2023-09-27T15:26:50.410" v="76" actId="27636"/>
+        <pc:sldMkLst>
+          <pc:docMk/>
+          <pc:sldMk cId="1913088456" sldId="339"/>
+        </pc:sldMkLst>
+        <pc:spChg chg="mod">
+          <ac:chgData name="Dayanand Yadav" userId="7545252cd970e070" providerId="LiveId" clId="{D3D310CE-F6D3-48DB-8476-EA6C96667CD9}" dt="2023-09-27T15:22:53.239" v="42" actId="108"/>
+          <ac:spMkLst>
+            <pc:docMk/>
+            <pc:sldMk cId="1913088456" sldId="339"/>
+            <ac:spMk id="2" creationId="{3AC4CFF3-F7A5-B0BA-BCAC-4C0A3F7D502D}"/>
+          </ac:spMkLst>
+        </pc:spChg>
+        <pc:spChg chg="mod">
+          <ac:chgData name="Dayanand Yadav" userId="7545252cd970e070" providerId="LiveId" clId="{D3D310CE-F6D3-48DB-8476-EA6C96667CD9}" dt="2023-09-27T15:26:50.410" v="76" actId="27636"/>
+          <ac:spMkLst>
+            <pc:docMk/>
+            <pc:sldMk cId="1913088456" sldId="339"/>
+            <ac:spMk id="3" creationId="{7EAA6BFF-7D1A-210F-9ECA-06789947B9AA}"/>
+          </ac:spMkLst>
+        </pc:spChg>
+      </pc:sldChg>
+    </pc:docChg>
+  </pc:docChgLst>
+</pc:chgInfo>
 </file>
 
 <file path=ppt/notesMasters/notesMaster1.xml><?xml version="1.0" encoding="utf-8"?>
@@ -13663,7 +13793,12 @@
             <p:ph type="title"/>
           </p:nvPr>
         </p:nvSpPr>
-        <p:spPr/>
+        <p:spPr>
+          <a:xfrm>
+            <a:off x="1295401" y="776858"/>
+            <a:ext cx="9601196" cy="1303867"/>
+          </a:xfrm>
+        </p:spPr>
         <p:txBody>
           <a:bodyPr>
             <a:normAutofit/>
@@ -13681,7 +13816,15 @@
               </a:rPr>
               <a:t>11. Introduction to CSS</a:t>
             </a:r>
-            <a:endParaRPr lang="en-IN" sz="2800" dirty="0"/>
+            <a:r>
+              <a:rPr lang="en-IN" sz="2800" b="1" kern="0" dirty="0">
+                <a:solidFill>
+                  <a:srgbClr val="222222"/>
+                </a:solidFill>
+                <a:latin typeface="Arial" panose="020B0604020202020204" pitchFamily="34" charset="0"/>
+              </a:rPr>
+              <a:t>: Syntax and selectors</a:t>
+            </a:r>
           </a:p>
         </p:txBody>
       </p:sp>
@@ -13704,7 +13847,7 @@
         <p:spPr/>
         <p:txBody>
           <a:bodyPr>
-            <a:normAutofit fontScale="92500" lnSpcReduction="20000"/>
+            <a:normAutofit fontScale="92500"/>
           </a:bodyPr>
           <a:lstStyle/>
           <a:p>
@@ -13715,60 +13858,146 @@
               <a:rPr lang="en-IN" b="1" dirty="0"/>
               <a:t>What is CSS</a:t>
             </a:r>
+            <a:endParaRPr lang="en-IN" sz="1600" b="1" dirty="0"/>
+          </a:p>
+          <a:p>
+            <a:pPr algn="l">
+              <a:lnSpc>
+                <a:spcPct val="150000"/>
+              </a:lnSpc>
+              <a:buFont typeface="Arial" panose="020B0604020202020204" pitchFamily="34" charset="0"/>
+              <a:buChar char="•"/>
+            </a:pPr>
+            <a:r>
+              <a:rPr lang="en-US" sz="1400" b="0" i="0" dirty="0">
+                <a:solidFill>
+                  <a:srgbClr val="000000"/>
+                </a:solidFill>
+                <a:effectLst/>
+                <a:latin typeface="Verdana" panose="020B0604030504040204" pitchFamily="34" charset="0"/>
+              </a:rPr>
+              <a:t>CSS stands for Cascading Style Sheets</a:t>
+            </a:r>
+          </a:p>
+          <a:p>
+            <a:pPr algn="l">
+              <a:lnSpc>
+                <a:spcPct val="150000"/>
+              </a:lnSpc>
+              <a:buFont typeface="Arial" panose="020B0604020202020204" pitchFamily="34" charset="0"/>
+              <a:buChar char="•"/>
+            </a:pPr>
+            <a:r>
+              <a:rPr lang="en-US" sz="1400" b="0" i="0" dirty="0">
+                <a:solidFill>
+                  <a:srgbClr val="000000"/>
+                </a:solidFill>
+                <a:effectLst/>
+                <a:latin typeface="Verdana" panose="020B0604030504040204" pitchFamily="34" charset="0"/>
+              </a:rPr>
+              <a:t>CSS describes how HTML elements are to be displayed on screen</a:t>
+            </a:r>
+          </a:p>
+          <a:p>
+            <a:pPr algn="l">
+              <a:lnSpc>
+                <a:spcPct val="150000"/>
+              </a:lnSpc>
+              <a:buFont typeface="Arial" panose="020B0604020202020204" pitchFamily="34" charset="0"/>
+              <a:buChar char="•"/>
+            </a:pPr>
+            <a:endParaRPr lang="en-US" sz="1400" b="0" i="0" dirty="0">
+              <a:solidFill>
+                <a:srgbClr val="000000"/>
+              </a:solidFill>
+              <a:effectLst/>
+              <a:latin typeface="Verdana" panose="020B0604030504040204" pitchFamily="34" charset="0"/>
+            </a:endParaRPr>
           </a:p>
           <a:p>
             <a:pPr marL="0" indent="0">
               <a:buNone/>
             </a:pPr>
             <a:r>
-              <a:rPr lang="en-IN" dirty="0"/>
-              <a:t>Cascading Style Sheets (CSS) is used to change the appearance (colour, size, width, height etc.)  of HTML elements.</a:t>
-            </a:r>
+              <a:rPr lang="en-US" b="1" dirty="0"/>
+              <a:t>CSS Saves a Lot of Work!</a:t>
+            </a:r>
+          </a:p>
+          <a:p>
+            <a:pPr>
+              <a:lnSpc>
+                <a:spcPct val="150000"/>
+              </a:lnSpc>
+              <a:buFont typeface="Arial" panose="020B0604020202020204" pitchFamily="34" charset="0"/>
+              <a:buChar char="•"/>
+            </a:pPr>
+            <a:r>
+              <a:rPr lang="en-US" sz="1400" dirty="0">
+                <a:solidFill>
+                  <a:srgbClr val="000000"/>
+                </a:solidFill>
+                <a:latin typeface="Verdana" panose="020B0604030504040204" pitchFamily="34" charset="0"/>
+              </a:rPr>
+              <a:t>The style definitions are normally saved in external .</a:t>
+            </a:r>
+            <a:r>
+              <a:rPr lang="en-US" sz="1400" dirty="0" err="1">
+                <a:solidFill>
+                  <a:srgbClr val="000000"/>
+                </a:solidFill>
+                <a:latin typeface="Verdana" panose="020B0604030504040204" pitchFamily="34" charset="0"/>
+              </a:rPr>
+              <a:t>css</a:t>
+            </a:r>
+            <a:r>
+              <a:rPr lang="en-US" sz="1400" dirty="0">
+                <a:solidFill>
+                  <a:srgbClr val="000000"/>
+                </a:solidFill>
+                <a:latin typeface="Verdana" panose="020B0604030504040204" pitchFamily="34" charset="0"/>
+              </a:rPr>
+              <a:t> files.</a:t>
+            </a:r>
+          </a:p>
+          <a:p>
+            <a:pPr>
+              <a:lnSpc>
+                <a:spcPct val="150000"/>
+              </a:lnSpc>
+              <a:buFont typeface="Arial" panose="020B0604020202020204" pitchFamily="34" charset="0"/>
+              <a:buChar char="•"/>
+            </a:pPr>
+            <a:r>
+              <a:rPr lang="en-US" sz="1400" dirty="0">
+                <a:solidFill>
+                  <a:srgbClr val="000000"/>
+                </a:solidFill>
+                <a:latin typeface="Verdana" panose="020B0604030504040204" pitchFamily="34" charset="0"/>
+              </a:rPr>
+              <a:t>With an external stylesheet file, you can change the look of an entire website by changing just one file!</a:t>
+            </a:r>
+          </a:p>
+          <a:p>
+            <a:pPr algn="l">
+              <a:lnSpc>
+                <a:spcPct val="150000"/>
+              </a:lnSpc>
+              <a:buFont typeface="Arial" panose="020B0604020202020204" pitchFamily="34" charset="0"/>
+              <a:buChar char="•"/>
+            </a:pPr>
+            <a:endParaRPr lang="en-IN" sz="1800" b="1" dirty="0"/>
           </a:p>
           <a:p>
             <a:pPr marL="0" indent="0">
               <a:buNone/>
             </a:pPr>
-            <a:endParaRPr lang="en-IN" dirty="0"/>
+            <a:endParaRPr lang="en-IN" sz="1200" dirty="0"/>
           </a:p>
           <a:p>
             <a:pPr marL="0" indent="0">
               <a:buNone/>
             </a:pPr>
-            <a:r>
-              <a:rPr lang="en-IN" b="1" dirty="0"/>
-              <a:t>Types of CSS</a:t>
-            </a:r>
-          </a:p>
-          <a:p>
-            <a:pPr marL="514350" indent="-514350">
-              <a:buFont typeface="+mj-lt"/>
-              <a:buAutoNum type="arabicPeriod"/>
-            </a:pPr>
-            <a:r>
-              <a:rPr lang="en-IN" dirty="0"/>
-              <a:t> Inline CSS</a:t>
-            </a:r>
-          </a:p>
-          <a:p>
-            <a:pPr marL="514350" indent="-514350">
-              <a:buFont typeface="+mj-lt"/>
-              <a:buAutoNum type="arabicPeriod"/>
-            </a:pPr>
-            <a:r>
-              <a:rPr lang="en-IN" dirty="0"/>
-              <a:t>Internal CSS</a:t>
-            </a:r>
-          </a:p>
-          <a:p>
-            <a:pPr marL="514350" indent="-514350">
-              <a:buFont typeface="+mj-lt"/>
-              <a:buAutoNum type="arabicPeriod"/>
-            </a:pPr>
-            <a:r>
-              <a:rPr lang="en-IN" dirty="0"/>
-              <a:t>External CSS</a:t>
-            </a:r>
+            <a:endParaRPr lang="en-IN" sz="1800" dirty="0"/>
           </a:p>
         </p:txBody>
       </p:sp>
@@ -17669,10 +17898,33 @@
         </p:nvSpPr>
         <p:spPr/>
         <p:txBody>
-          <a:bodyPr/>
+          <a:bodyPr>
+            <a:normAutofit/>
+          </a:bodyPr>
           <a:lstStyle/>
           <a:p>
-            <a:endParaRPr lang="en-IN"/>
+            <a:r>
+              <a:rPr lang="en-IN" sz="2800" b="1" kern="0" dirty="0">
+                <a:solidFill>
+                  <a:srgbClr val="222222"/>
+                </a:solidFill>
+                <a:effectLst/>
+                <a:latin typeface="Arial" panose="020B0604020202020204" pitchFamily="34" charset="0"/>
+                <a:ea typeface="Times New Roman" panose="02020603050405020304" pitchFamily="18" charset="0"/>
+              </a:rPr>
+              <a:t>11. Introduction to CSS: </a:t>
+            </a:r>
+            <a:r>
+              <a:rPr lang="en-IN" sz="2800" b="1" kern="0" dirty="0">
+                <a:solidFill>
+                  <a:srgbClr val="0070C0"/>
+                </a:solidFill>
+                <a:latin typeface="Arial" panose="020B0604020202020204" pitchFamily="34" charset="0"/>
+                <a:ea typeface="Times New Roman" panose="02020603050405020304" pitchFamily="18" charset="0"/>
+              </a:rPr>
+              <a:t>How to add CSS</a:t>
+            </a:r>
+            <a:endParaRPr lang="en-IN" sz="2800" dirty="0"/>
           </a:p>
         </p:txBody>
       </p:sp>
@@ -17694,10 +17946,91 @@
         </p:nvSpPr>
         <p:spPr/>
         <p:txBody>
-          <a:bodyPr/>
+          <a:bodyPr>
+            <a:normAutofit/>
+          </a:bodyPr>
           <a:lstStyle/>
           <a:p>
-            <a:endParaRPr lang="en-IN"/>
+            <a:pPr marL="0" indent="0" algn="l">
+              <a:buNone/>
+            </a:pPr>
+            <a:r>
+              <a:rPr lang="en-US" sz="2000" b="1" i="0" dirty="0">
+                <a:solidFill>
+                  <a:srgbClr val="000000"/>
+                </a:solidFill>
+                <a:effectLst/>
+                <a:latin typeface="Segoe UI" panose="020B0502040204020203" pitchFamily="34" charset="0"/>
+              </a:rPr>
+              <a:t>Three Ways to Insert CSS</a:t>
+            </a:r>
+          </a:p>
+          <a:p>
+            <a:pPr algn="l">
+              <a:lnSpc>
+                <a:spcPct val="150000"/>
+              </a:lnSpc>
+              <a:buFont typeface="Arial" panose="020B0604020202020204" pitchFamily="34" charset="0"/>
+              <a:buChar char="•"/>
+            </a:pPr>
+            <a:r>
+              <a:rPr lang="en-US" sz="2000" b="0" i="0" dirty="0">
+                <a:solidFill>
+                  <a:srgbClr val="000000"/>
+                </a:solidFill>
+                <a:effectLst/>
+                <a:latin typeface="Verdana" panose="020B0604030504040204" pitchFamily="34" charset="0"/>
+              </a:rPr>
+              <a:t>External CSS</a:t>
+            </a:r>
+          </a:p>
+          <a:p>
+            <a:pPr algn="l">
+              <a:lnSpc>
+                <a:spcPct val="150000"/>
+              </a:lnSpc>
+              <a:buFont typeface="Arial" panose="020B0604020202020204" pitchFamily="34" charset="0"/>
+              <a:buChar char="•"/>
+            </a:pPr>
+            <a:r>
+              <a:rPr lang="en-US" sz="2000" b="0" i="0" dirty="0">
+                <a:solidFill>
+                  <a:srgbClr val="000000"/>
+                </a:solidFill>
+                <a:effectLst/>
+                <a:latin typeface="Verdana" panose="020B0604030504040204" pitchFamily="34" charset="0"/>
+              </a:rPr>
+              <a:t>Internal CSS</a:t>
+            </a:r>
+          </a:p>
+          <a:p>
+            <a:pPr algn="l">
+              <a:lnSpc>
+                <a:spcPct val="150000"/>
+              </a:lnSpc>
+              <a:buFont typeface="Arial" panose="020B0604020202020204" pitchFamily="34" charset="0"/>
+              <a:buChar char="•"/>
+            </a:pPr>
+            <a:r>
+              <a:rPr lang="en-US" sz="2000" b="0" i="0" dirty="0">
+                <a:solidFill>
+                  <a:srgbClr val="000000"/>
+                </a:solidFill>
+                <a:effectLst/>
+                <a:latin typeface="Verdana" panose="020B0604030504040204" pitchFamily="34" charset="0"/>
+              </a:rPr>
+              <a:t>Inline CSS</a:t>
+            </a:r>
+          </a:p>
+          <a:p>
+            <a:pPr algn="l"/>
+            <a:endParaRPr lang="en-US" sz="2000" b="0" i="0" dirty="0">
+              <a:solidFill>
+                <a:srgbClr val="000000"/>
+              </a:solidFill>
+              <a:effectLst/>
+              <a:latin typeface="Segoe UI" panose="020B0502040204020203" pitchFamily="34" charset="0"/>
+            </a:endParaRPr>
           </a:p>
         </p:txBody>
       </p:sp>
@@ -17820,31 +18153,6 @@
       </p:grpSpPr>
       <p:sp>
         <p:nvSpPr>
-          <p:cNvPr id="2" name="Title 1">
-            <a:extLst>
-              <a:ext uri="{FF2B5EF4-FFF2-40B4-BE49-F238E27FC236}">
-                <a16:creationId xmlns:a16="http://schemas.microsoft.com/office/drawing/2014/main" id="{B9F2AB28-BFB3-BBA1-9D6D-A8AB506535D2}"/>
-              </a:ext>
-            </a:extLst>
-          </p:cNvPr>
-          <p:cNvSpPr>
-            <a:spLocks noGrp="1"/>
-          </p:cNvSpPr>
-          <p:nvPr>
-            <p:ph type="title"/>
-          </p:nvPr>
-        </p:nvSpPr>
-        <p:spPr/>
-        <p:txBody>
-          <a:bodyPr/>
-          <a:lstStyle/>
-          <a:p>
-            <a:endParaRPr lang="en-IN"/>
-          </a:p>
-        </p:txBody>
-      </p:sp>
-      <p:sp>
-        <p:nvSpPr>
           <p:cNvPr id="3" name="Content Placeholder 2">
             <a:extLst>
               <a:ext uri="{FF2B5EF4-FFF2-40B4-BE49-F238E27FC236}">
@@ -17861,10 +18169,140 @@
         </p:nvSpPr>
         <p:spPr/>
         <p:txBody>
-          <a:bodyPr/>
+          <a:bodyPr>
+            <a:normAutofit fontScale="70000" lnSpcReduction="20000"/>
+          </a:bodyPr>
           <a:lstStyle/>
           <a:p>
-            <a:endParaRPr lang="en-IN"/>
+            <a:pPr marL="0" indent="0" algn="l">
+              <a:buNone/>
+            </a:pPr>
+            <a:r>
+              <a:rPr lang="en-US" sz="2300" b="1" i="0" dirty="0">
+                <a:solidFill>
+                  <a:srgbClr val="000000"/>
+                </a:solidFill>
+                <a:effectLst/>
+                <a:latin typeface="Segoe UI" panose="020B0502040204020203" pitchFamily="34" charset="0"/>
+              </a:rPr>
+              <a:t>Multiple Style Sheets</a:t>
+            </a:r>
+          </a:p>
+          <a:p>
+            <a:pPr>
+              <a:lnSpc>
+                <a:spcPct val="170000"/>
+              </a:lnSpc>
+            </a:pPr>
+            <a:r>
+              <a:rPr lang="en-US" sz="1900" dirty="0">
+                <a:solidFill>
+                  <a:srgbClr val="000000"/>
+                </a:solidFill>
+                <a:latin typeface="Segoe UI" panose="020B0502040204020203" pitchFamily="34" charset="0"/>
+              </a:rPr>
+              <a:t>If some properties have been defined for the same selector (element) in different style sheets, the value from the last read style sheet will be used. </a:t>
+            </a:r>
+          </a:p>
+          <a:p>
+            <a:pPr marL="0" indent="0">
+              <a:buNone/>
+            </a:pPr>
+            <a:endParaRPr lang="en-IN" sz="1600" b="1" i="0" dirty="0">
+              <a:solidFill>
+                <a:srgbClr val="000000"/>
+              </a:solidFill>
+              <a:effectLst/>
+              <a:latin typeface="Segoe UI" panose="020B0502040204020203" pitchFamily="34" charset="0"/>
+            </a:endParaRPr>
+          </a:p>
+          <a:p>
+            <a:pPr marL="0" indent="0">
+              <a:buNone/>
+            </a:pPr>
+            <a:r>
+              <a:rPr lang="en-IN" sz="2300" b="1" i="0" dirty="0">
+                <a:solidFill>
+                  <a:srgbClr val="000000"/>
+                </a:solidFill>
+                <a:effectLst/>
+                <a:latin typeface="Segoe UI" panose="020B0502040204020203" pitchFamily="34" charset="0"/>
+              </a:rPr>
+              <a:t>Cascading Order</a:t>
+            </a:r>
+          </a:p>
+          <a:p>
+            <a:r>
+              <a:rPr lang="en-US" sz="1900" i="0" dirty="0">
+                <a:solidFill>
+                  <a:srgbClr val="000000"/>
+                </a:solidFill>
+                <a:effectLst/>
+                <a:latin typeface="Segoe UI" panose="020B0502040204020203" pitchFamily="34" charset="0"/>
+              </a:rPr>
+              <a:t>Inline style (inside an HTML element)</a:t>
+            </a:r>
+          </a:p>
+          <a:p>
+            <a:r>
+              <a:rPr lang="en-US" sz="1900" i="0" dirty="0">
+                <a:solidFill>
+                  <a:srgbClr val="000000"/>
+                </a:solidFill>
+                <a:effectLst/>
+                <a:latin typeface="Segoe UI" panose="020B0502040204020203" pitchFamily="34" charset="0"/>
+              </a:rPr>
+              <a:t>External and internal style sheets (in the head section)</a:t>
+            </a:r>
+          </a:p>
+          <a:p>
+            <a:r>
+              <a:rPr lang="en-US" sz="1900" i="0" dirty="0">
+                <a:solidFill>
+                  <a:srgbClr val="000000"/>
+                </a:solidFill>
+                <a:effectLst/>
+                <a:latin typeface="Segoe UI" panose="020B0502040204020203" pitchFamily="34" charset="0"/>
+              </a:rPr>
+              <a:t>Browser default</a:t>
+            </a:r>
+          </a:p>
+          <a:p>
+            <a:endParaRPr lang="en-US" sz="1900" i="0" dirty="0">
+              <a:solidFill>
+                <a:srgbClr val="000000"/>
+              </a:solidFill>
+              <a:effectLst/>
+              <a:latin typeface="Segoe UI" panose="020B0502040204020203" pitchFamily="34" charset="0"/>
+            </a:endParaRPr>
+          </a:p>
+          <a:p>
+            <a:pPr marL="0" indent="0">
+              <a:buNone/>
+            </a:pPr>
+            <a:r>
+              <a:rPr lang="en-US" sz="1900" i="0" dirty="0">
+                <a:solidFill>
+                  <a:srgbClr val="000000"/>
+                </a:solidFill>
+                <a:effectLst/>
+                <a:latin typeface="Segoe UI" panose="020B0502040204020203" pitchFamily="34" charset="0"/>
+              </a:rPr>
+              <a:t>So, an inline style has the highest priority, and will override external and internal styles and browser defaults.</a:t>
+            </a:r>
+            <a:endParaRPr lang="en-IN" sz="1900" i="0" dirty="0">
+              <a:solidFill>
+                <a:srgbClr val="000000"/>
+              </a:solidFill>
+              <a:effectLst/>
+              <a:latin typeface="Segoe UI" panose="020B0502040204020203" pitchFamily="34" charset="0"/>
+            </a:endParaRPr>
+          </a:p>
+          <a:p>
+            <a:pPr marL="0" indent="0">
+              <a:buNone/>
+            </a:pPr>
+            <a:endParaRPr lang="en-IN" sz="1600" dirty="0"/>
           </a:p>
         </p:txBody>
       </p:sp>
@@ -17952,6 +18390,59 @@
               <a:t>32</a:t>
             </a:fld>
             <a:endParaRPr lang="en-IN"/>
+          </a:p>
+        </p:txBody>
+      </p:sp>
+      <p:sp>
+        <p:nvSpPr>
+          <p:cNvPr id="7" name="Title 1">
+            <a:extLst>
+              <a:ext uri="{FF2B5EF4-FFF2-40B4-BE49-F238E27FC236}">
+                <a16:creationId xmlns:a16="http://schemas.microsoft.com/office/drawing/2014/main" id="{8821CB44-8CA8-E3AF-6BE6-40D42E931626}"/>
+              </a:ext>
+            </a:extLst>
+          </p:cNvPr>
+          <p:cNvSpPr>
+            <a:spLocks noGrp="1"/>
+          </p:cNvSpPr>
+          <p:nvPr>
+            <p:ph type="title"/>
+          </p:nvPr>
+        </p:nvSpPr>
+        <p:spPr>
+          <a:xfrm>
+            <a:off x="1295400" y="982663"/>
+            <a:ext cx="9601200" cy="1303337"/>
+          </a:xfrm>
+        </p:spPr>
+        <p:txBody>
+          <a:bodyPr>
+            <a:normAutofit/>
+          </a:bodyPr>
+          <a:lstStyle/>
+          <a:p>
+            <a:r>
+              <a:rPr lang="en-IN" sz="2800" b="1" kern="0" dirty="0">
+                <a:solidFill>
+                  <a:srgbClr val="222222"/>
+                </a:solidFill>
+                <a:effectLst/>
+                <a:latin typeface="Arial" panose="020B0604020202020204" pitchFamily="34" charset="0"/>
+                <a:ea typeface="Times New Roman" panose="02020603050405020304" pitchFamily="18" charset="0"/>
+              </a:rPr>
+              <a:t>11. Introduction to CSS: </a:t>
+            </a:r>
+            <a:r>
+              <a:rPr lang="en-IN" sz="2800" b="1" kern="0" dirty="0">
+                <a:solidFill>
+                  <a:srgbClr val="0070C0"/>
+                </a:solidFill>
+                <a:latin typeface="Arial" panose="020B0604020202020204" pitchFamily="34" charset="0"/>
+                <a:ea typeface="Times New Roman" panose="02020603050405020304" pitchFamily="18" charset="0"/>
+              </a:rPr>
+              <a:t>How to add CSS</a:t>
+            </a:r>
+            <a:endParaRPr lang="en-IN" sz="2800" dirty="0"/>
           </a:p>
         </p:txBody>
       </p:sp>
@@ -18003,10 +18494,45 @@
         </p:nvSpPr>
         <p:spPr/>
         <p:txBody>
-          <a:bodyPr/>
+          <a:bodyPr>
+            <a:noAutofit/>
+          </a:bodyPr>
           <a:lstStyle/>
           <a:p>
-            <a:endParaRPr lang="en-IN"/>
+            <a:r>
+              <a:rPr lang="en-IN" sz="2800" b="1" kern="0" dirty="0">
+                <a:solidFill>
+                  <a:srgbClr val="222222"/>
+                </a:solidFill>
+                <a:effectLst/>
+                <a:latin typeface="Arial" panose="020B0604020202020204" pitchFamily="34" charset="0"/>
+                <a:ea typeface="Times New Roman" panose="02020603050405020304" pitchFamily="18" charset="0"/>
+              </a:rPr>
+              <a:t>11. Introduction to CSS: </a:t>
+            </a:r>
+            <a:r>
+              <a:rPr lang="en-IN" sz="2800" b="1" kern="0" dirty="0">
+                <a:solidFill>
+                  <a:srgbClr val="0070C0"/>
+                </a:solidFill>
+                <a:latin typeface="Arial" panose="020B0604020202020204" pitchFamily="34" charset="0"/>
+              </a:rPr>
+              <a:t>CSS Comments</a:t>
+            </a:r>
+            <a:br>
+              <a:rPr lang="en-IN" sz="2800" b="1" kern="0" dirty="0">
+                <a:solidFill>
+                  <a:srgbClr val="0070C0"/>
+                </a:solidFill>
+                <a:latin typeface="Arial" panose="020B0604020202020204" pitchFamily="34" charset="0"/>
+              </a:rPr>
+            </a:br>
+            <a:endParaRPr lang="en-IN" sz="2800" b="1" kern="0" dirty="0">
+              <a:solidFill>
+                <a:srgbClr val="0070C0"/>
+              </a:solidFill>
+              <a:latin typeface="Arial" panose="020B0604020202020204" pitchFamily="34" charset="0"/>
+            </a:endParaRPr>
           </a:p>
         </p:txBody>
       </p:sp>
@@ -18028,10 +18554,49 @@
         </p:nvSpPr>
         <p:spPr/>
         <p:txBody>
-          <a:bodyPr/>
+          <a:bodyPr>
+            <a:normAutofit/>
+          </a:bodyPr>
           <a:lstStyle/>
           <a:p>
-            <a:endParaRPr lang="en-IN"/>
+            <a:pPr marL="0" indent="0">
+              <a:buNone/>
+            </a:pPr>
+            <a:r>
+              <a:rPr lang="en-IN" b="0" i="0" dirty="0">
+                <a:solidFill>
+                  <a:srgbClr val="000000"/>
+                </a:solidFill>
+                <a:effectLst/>
+                <a:latin typeface="Segoe UI" panose="020B0502040204020203" pitchFamily="34" charset="0"/>
+              </a:rPr>
+              <a:t>CSS Comments</a:t>
+            </a:r>
+            <a:endParaRPr lang="en-US" dirty="0"/>
+          </a:p>
+          <a:p>
+            <a:r>
+              <a:rPr lang="en-US" dirty="0"/>
+              <a:t>Comments are used to explain the code, and may help when you edit the source code at a later date.</a:t>
+            </a:r>
+          </a:p>
+          <a:p>
+            <a:r>
+              <a:rPr lang="en-US" dirty="0"/>
+              <a:t>Comments are ignored by </a:t>
+            </a:r>
+            <a:r>
+              <a:rPr lang="en-US"/>
+              <a:t>browsers.</a:t>
+            </a:r>
+            <a:endParaRPr lang="en-US" dirty="0"/>
+          </a:p>
+          <a:p>
+            <a:r>
+              <a:rPr lang="en-US" dirty="0"/>
+              <a:t>A CSS comment is placed inside the &lt;style&gt; element, and starts with /* and ends with */:</a:t>
+            </a:r>
+            <a:endParaRPr lang="en-IN" dirty="0"/>
           </a:p>
         </p:txBody>
       </p:sp>
